--- a/E-PHARMA.pptx
+++ b/E-PHARMA.pptx
@@ -6627,7 +6627,7 @@
         <p:spPr>
           <a:xfrm>
             <a:off x="1855433" y="1882066"/>
-            <a:ext cx="9854214" cy="5355312"/>
+            <a:ext cx="9854214" cy="4801314"/>
           </a:xfrm>
           <a:prstGeom prst="rect">
             <a:avLst/>
@@ -6646,7 +6646,7 @@
             </a:pPr>
             <a:r>
               <a:rPr lang="en-US" dirty="0"/>
-              <a:t>E-Pharma is an online pharmacy that operates over the internet and sends the order to the customer.</a:t>
+              <a:t>E-Pharma is an online pharmacy that help to sends the order to the customer.</a:t>
             </a:r>
           </a:p>
           <a:p>
@@ -6672,7 +6672,7 @@
             </a:br>
             <a:r>
               <a:rPr lang="en-US" dirty="0"/>
-              <a:t>This project focuses on selling medicines and providing information about medicines which mainly deals with uploading the prescription for the same. </a:t>
+              <a:t>This project focuses on selling medicines and providing information about medicines.</a:t>
             </a:r>
           </a:p>
           <a:p>
@@ -6840,7 +6840,7 @@
             </a:pPr>
             <a:r>
               <a:rPr lang="en-US" dirty="0"/>
-              <a:t>This project aims at solving the above issues such as urgent need of medicine, unavailability of medicines etc. by providing an option to order medicine online as prescribed by the doctor.</a:t>
+              <a:t>This project aims at solving the above issues such as urgent need of medicine, unavailability of medicines etc. by providing an option to order medicine online.</a:t>
             </a:r>
           </a:p>
           <a:p>
@@ -6942,7 +6942,7 @@
         <p:spPr>
           <a:xfrm>
             <a:off x="3062794" y="1669002"/>
-            <a:ext cx="6667132" cy="4524315"/>
+            <a:ext cx="6667132" cy="7755969"/>
           </a:xfrm>
           <a:prstGeom prst="rect">
             <a:avLst/>
@@ -6955,119 +6955,134 @@
           </a:bodyPr>
           <a:lstStyle/>
           <a:p>
-            <a:pPr marL="342900" indent="-342900">
+            <a:endParaRPr lang="en-IN" sz="2000" dirty="0"/>
+          </a:p>
+          <a:p>
+            <a:r>
+              <a:rPr lang="en-IN" b="1" dirty="0"/>
+              <a:t>Project Flow :</a:t>
+            </a:r>
+          </a:p>
+          <a:p>
+            <a:r>
+              <a:rPr lang="en-IN" dirty="0"/>
+              <a:t>There are two major roles in our project:</a:t>
+            </a:r>
+          </a:p>
+          <a:p>
+            <a:pPr marL="285750" indent="-285750">
               <a:buFont typeface="Arial" panose="020B0604020202020204" pitchFamily="34" charset="0"/>
               <a:buChar char="•"/>
             </a:pPr>
             <a:r>
-              <a:rPr lang="en-IN" sz="2000" dirty="0"/>
-              <a:t>There are two major roles:</a:t>
-            </a:r>
-          </a:p>
-          <a:p>
-            <a:r>
-              <a:rPr lang="en-IN" sz="2000" dirty="0"/>
-              <a:t>			1.Admin</a:t>
-            </a:r>
-          </a:p>
-          <a:p>
-            <a:r>
-              <a:rPr lang="en-IN" sz="2000" dirty="0"/>
-              <a:t>			2.Customer</a:t>
-            </a:r>
-          </a:p>
-          <a:p>
-            <a:endParaRPr lang="en-IN" sz="2000" dirty="0"/>
-          </a:p>
-          <a:p>
-            <a:r>
-              <a:rPr lang="en-US" b="1" dirty="0"/>
-              <a:t>Step 1 </a:t>
-            </a:r>
-            <a:r>
-              <a:rPr lang="en-US" dirty="0"/>
-              <a:t>Login for Customer  &amp; Admin.</a:t>
-            </a:r>
+              <a:rPr lang="en-IN" dirty="0"/>
+              <a:t>1.Admin</a:t>
+            </a:r>
+          </a:p>
+          <a:p>
+            <a:pPr marL="285750" indent="-285750">
+              <a:buFont typeface="Arial" panose="020B0604020202020204" pitchFamily="34" charset="0"/>
+              <a:buChar char="•"/>
+            </a:pPr>
+            <a:r>
+              <a:rPr lang="en-IN" dirty="0"/>
+              <a:t>2.Customer</a:t>
+            </a:r>
+          </a:p>
+          <a:p>
+            <a:endParaRPr lang="en-IN" b="1" dirty="0"/>
+          </a:p>
+          <a:p>
+            <a:pPr marL="342900" indent="-342900">
+              <a:buAutoNum type="arabicParenR"/>
+            </a:pPr>
+            <a:r>
+              <a:rPr lang="en-IN" dirty="0"/>
+              <a:t>We have to register the customer into the system.</a:t>
+            </a:r>
+          </a:p>
+          <a:p>
+            <a:pPr marL="342900" indent="-342900">
+              <a:buAutoNum type="arabicParenR"/>
+            </a:pPr>
+            <a:r>
+              <a:rPr lang="en-IN" dirty="0"/>
+              <a:t>After registration we have login with particular username and password.</a:t>
+            </a:r>
+          </a:p>
+          <a:p>
+            <a:pPr marL="342900" indent="-342900">
+              <a:buAutoNum type="arabicParenR"/>
+            </a:pPr>
+            <a:r>
+              <a:rPr lang="en-IN" dirty="0"/>
+              <a:t>For Admin login, we have to give Admin username and password then it will redirect to admin page. Customer is not allowed to login on admin panel.</a:t>
+            </a:r>
+          </a:p>
+          <a:p>
+            <a:pPr marL="342900" indent="-342900">
+              <a:buAutoNum type="arabicParenR"/>
+            </a:pPr>
             <a:endParaRPr lang="en-IN" dirty="0"/>
           </a:p>
           <a:p>
-            <a:r>
-              <a:rPr lang="en-US" b="1" dirty="0"/>
-              <a:t>Step 2</a:t>
-            </a:r>
-            <a:r>
-              <a:rPr lang="en-US" dirty="0"/>
-              <a:t>.Admin accept request from Customer.</a:t>
-            </a:r>
+            <a:pPr marL="342900" indent="-342900">
+              <a:buAutoNum type="arabicParenR"/>
+            </a:pPr>
+            <a:r>
+              <a:rPr lang="en-IN" dirty="0"/>
+              <a:t>Now customer login  on  our web portal then home page will be displayed. </a:t>
+            </a:r>
+          </a:p>
+          <a:p>
+            <a:pPr marL="342900" indent="-342900">
+              <a:buAutoNum type="arabicParenR"/>
+            </a:pPr>
+            <a:r>
+              <a:rPr lang="en-IN" dirty="0"/>
+              <a:t>Now the customer can browse through the website and customer can place the order and eventually checkout.</a:t>
+            </a:r>
+          </a:p>
+          <a:p>
+            <a:pPr marL="342900" indent="-342900">
+              <a:buAutoNum type="arabicParenR"/>
+            </a:pPr>
             <a:endParaRPr lang="en-IN" dirty="0"/>
           </a:p>
           <a:p>
-            <a:r>
-              <a:rPr lang="en-US" b="1" dirty="0"/>
-              <a:t>Step 3</a:t>
-            </a:r>
-            <a:r>
-              <a:rPr lang="en-US" dirty="0"/>
-              <a:t>.Admin check </a:t>
-            </a:r>
-            <a:r>
-              <a:rPr lang="en-US" dirty="0" err="1"/>
-              <a:t>wether</a:t>
-            </a:r>
-            <a:r>
-              <a:rPr lang="en-US" dirty="0"/>
-              <a:t> the requested product is available or not.</a:t>
-            </a:r>
+            <a:pPr marL="342900" indent="-342900">
+              <a:buAutoNum type="arabicParenR"/>
+            </a:pPr>
             <a:endParaRPr lang="en-IN" dirty="0"/>
           </a:p>
           <a:p>
-            <a:r>
-              <a:rPr lang="en-US" b="1" dirty="0"/>
-              <a:t>Step 4</a:t>
-            </a:r>
-            <a:r>
-              <a:rPr lang="en-US" dirty="0"/>
-              <a:t>.If product is available then confirm the request by admin.</a:t>
-            </a:r>
-          </a:p>
-          <a:p>
-            <a:r>
-              <a:rPr lang="en-US" dirty="0"/>
-              <a:t>if product is not available then request is cancel by admin.</a:t>
-            </a:r>
+            <a:pPr marL="342900" indent="-342900">
+              <a:buAutoNum type="arabicParenR"/>
+            </a:pPr>
             <a:endParaRPr lang="en-IN" dirty="0"/>
           </a:p>
           <a:p>
-            <a:r>
-              <a:rPr lang="en-US" b="1" dirty="0"/>
-              <a:t>Step 5.</a:t>
-            </a:r>
-            <a:r>
-              <a:rPr lang="en-US" dirty="0"/>
-              <a:t>Then Product is added to cart by customer.</a:t>
-            </a:r>
+            <a:pPr marL="342900" indent="-342900">
+              <a:buAutoNum type="arabicParenR"/>
+            </a:pPr>
             <a:endParaRPr lang="en-IN" dirty="0"/>
           </a:p>
           <a:p>
-            <a:r>
-              <a:rPr lang="en-US" b="1" dirty="0"/>
-              <a:t>Step 6.</a:t>
-            </a:r>
-            <a:r>
-              <a:rPr lang="en-US" dirty="0"/>
-              <a:t>Then payment is done by customer.</a:t>
-            </a:r>
+            <a:pPr marL="342900" indent="-342900">
+              <a:buAutoNum type="arabicParenR"/>
+            </a:pPr>
             <a:endParaRPr lang="en-IN" dirty="0"/>
           </a:p>
           <a:p>
-            <a:r>
-              <a:rPr lang="en-US" b="1" dirty="0"/>
-              <a:t>Step 7.</a:t>
-            </a:r>
-            <a:r>
-              <a:rPr lang="en-US" dirty="0"/>
-              <a:t>Logout.</a:t>
-            </a:r>
+            <a:pPr marL="342900" indent="-342900">
+              <a:buAutoNum type="arabicParenR"/>
+            </a:pPr>
+            <a:endParaRPr lang="en-IN" dirty="0"/>
+          </a:p>
+          <a:p>
+            <a:pPr marL="342900" indent="-342900">
+              <a:buAutoNum type="arabicParenR"/>
+            </a:pPr>
             <a:endParaRPr lang="en-IN" dirty="0"/>
           </a:p>
           <a:p>
